--- a/documentation/20231312_stemo_midterm.pptx
+++ b/documentation/20231312_stemo_midterm.pptx
@@ -262,7 +262,7 @@
           <a:p>
             <a:fld id="{00A6180F-3EA1-4748-B4F4-956BB5176995}" type="datetimeFigureOut">
               <a:rPr lang="de-DE" smtClean="0"/>
-              <a:t>12.12.23</a:t>
+              <a:t>13.12.2023</a:t>
             </a:fld>
             <a:endParaRPr lang="de-DE"/>
           </a:p>
@@ -420,7 +420,7 @@
           <a:p>
             <a:fld id="{F13C3961-1900-1342-BF9B-82C3215CD312}" type="slidenum">
               <a:rPr lang="de-DE" smtClean="0"/>
-              <a:t>‹#›</a:t>
+              <a:t>‹Nr.›</a:t>
             </a:fld>
             <a:endParaRPr lang="de-DE"/>
           </a:p>
@@ -740,6 +740,131 @@
         <p:txBody>
           <a:bodyPr/>
           <a:lstStyle/>
+          <a:p>
+            <a:r>
+              <a:rPr lang="de-DE" b="1" dirty="0" err="1"/>
+              <a:t>Dyamic</a:t>
+            </a:r>
+            <a:r>
+              <a:rPr lang="de-DE" b="1" dirty="0"/>
+              <a:t> </a:t>
+            </a:r>
+            <a:r>
+              <a:rPr lang="de-DE" b="1" dirty="0" err="1"/>
+              <a:t>Arithmetic</a:t>
+            </a:r>
+            <a:r>
+              <a:rPr lang="de-DE" b="1" dirty="0"/>
+              <a:t> Encoding </a:t>
+            </a:r>
+            <a:r>
+              <a:rPr lang="de-DE" b="1" dirty="0" err="1"/>
+              <a:t>Compression</a:t>
+            </a:r>
+            <a:r>
+              <a:rPr lang="de-DE" dirty="0"/>
+              <a:t>:</a:t>
+            </a:r>
+          </a:p>
+          <a:p>
+            <a:pPr marL="285750" indent="-285750">
+              <a:buFont typeface="Arial" panose="020B0604020202020204" pitchFamily="34" charset="0"/>
+              <a:buChar char="•"/>
+            </a:pPr>
+            <a:r>
+              <a:rPr lang="en-US" dirty="0"/>
+              <a:t>compresses a message by representing it as a single number within a fractional interval [0, 1)</a:t>
+            </a:r>
+          </a:p>
+          <a:p>
+            <a:pPr marL="285750" indent="-285750">
+              <a:buFont typeface="Arial" panose="020B0604020202020204" pitchFamily="34" charset="0"/>
+              <a:buChar char="•"/>
+            </a:pPr>
+            <a:r>
+              <a:rPr lang="en-US" dirty="0"/>
+              <a:t>This number is determined by progressively subdividing the interval based on the probability of each character in the message</a:t>
+            </a:r>
+          </a:p>
+          <a:p>
+            <a:pPr marL="285750" indent="-285750">
+              <a:buFont typeface="Arial" panose="020B0604020202020204" pitchFamily="34" charset="0"/>
+              <a:buChar char="•"/>
+            </a:pPr>
+            <a:r>
+              <a:rPr lang="de-DE" dirty="0"/>
+              <a:t>Includes </a:t>
+            </a:r>
+            <a:r>
+              <a:rPr lang="de-DE" dirty="0" err="1"/>
+              <a:t>character</a:t>
+            </a:r>
+            <a:r>
+              <a:rPr lang="de-DE" dirty="0"/>
+              <a:t> </a:t>
+            </a:r>
+            <a:r>
+              <a:rPr lang="de-DE" dirty="0" err="1"/>
+              <a:t>frequency</a:t>
+            </a:r>
+            <a:r>
+              <a:rPr lang="de-DE" dirty="0"/>
+              <a:t> in </a:t>
+            </a:r>
+            <a:r>
+              <a:rPr lang="de-DE" dirty="0" err="1"/>
+              <a:t>the</a:t>
+            </a:r>
+            <a:r>
+              <a:rPr lang="de-DE" dirty="0"/>
+              <a:t> </a:t>
+            </a:r>
+            <a:r>
+              <a:rPr lang="de-DE" dirty="0" err="1"/>
+              <a:t>subdivision</a:t>
+            </a:r>
+            <a:r>
+              <a:rPr lang="de-DE" dirty="0"/>
+              <a:t> </a:t>
+            </a:r>
+            <a:r>
+              <a:rPr lang="de-DE" dirty="0" err="1"/>
+              <a:t>process</a:t>
+            </a:r>
+            <a:r>
+              <a:rPr lang="de-DE" dirty="0"/>
+              <a:t> to </a:t>
+            </a:r>
+            <a:r>
+              <a:rPr lang="de-DE" dirty="0" err="1"/>
+              <a:t>achieve</a:t>
+            </a:r>
+            <a:r>
+              <a:rPr lang="de-DE" dirty="0"/>
+              <a:t> </a:t>
+            </a:r>
+            <a:r>
+              <a:rPr lang="de-DE" dirty="0" err="1"/>
+              <a:t>higher</a:t>
+            </a:r>
+            <a:r>
+              <a:rPr lang="de-DE" dirty="0"/>
+              <a:t> </a:t>
+            </a:r>
+            <a:r>
+              <a:rPr lang="de-DE" dirty="0" err="1"/>
+              <a:t>compression</a:t>
+            </a:r>
+            <a:r>
+              <a:rPr lang="de-DE" dirty="0"/>
+              <a:t> </a:t>
+            </a:r>
+            <a:r>
+              <a:rPr lang="de-DE" dirty="0" err="1"/>
+              <a:t>ratio</a:t>
+            </a:r>
+            <a:endParaRPr lang="de-DE" dirty="0"/>
+          </a:p>
           <a:p>
             <a:endParaRPr lang="de-DE" dirty="0"/>
           </a:p>
@@ -1389,57 +1514,6 @@
       </p:sp>
       <p:sp>
         <p:nvSpPr>
-          <p:cNvPr id="4" name="Textfeld 3">
-            <a:extLst>
-              <a:ext uri="{FF2B5EF4-FFF2-40B4-BE49-F238E27FC236}">
-                <a16:creationId xmlns:a16="http://schemas.microsoft.com/office/drawing/2014/main" id="{F18C730E-B3F8-944F-8BC2-E236CE7245E4}"/>
-              </a:ext>
-            </a:extLst>
-          </p:cNvPr>
-          <p:cNvSpPr txBox="1"/>
-          <p:nvPr userDrawn="1"/>
-        </p:nvSpPr>
-        <p:spPr>
-          <a:xfrm>
-            <a:off x="-2031023" y="2620375"/>
-            <a:ext cx="2021305" cy="861774"/>
-          </a:xfrm>
-          <a:prstGeom prst="rect">
-            <a:avLst/>
-          </a:prstGeom>
-          <a:noFill/>
-        </p:spPr>
-        <p:txBody>
-          <a:bodyPr wrap="square" rtlCol="0">
-            <a:spAutoFit/>
-          </a:bodyPr>
-          <a:lstStyle/>
-          <a:p>
-            <a:r>
-              <a:rPr lang="de-DE" sz="1000" b="1" dirty="0">
-                <a:latin typeface="Arial" panose="020B0604020202020204" pitchFamily="34" charset="0"/>
-                <a:cs typeface="Arial" panose="020B0604020202020204" pitchFamily="34" charset="0"/>
-              </a:rPr>
-              <a:t>Platzhalterbild ersetzen:</a:t>
-            </a:r>
-            <a:br>
-              <a:rPr lang="de-DE" sz="1000" b="1" dirty="0">
-                <a:latin typeface="Arial" panose="020B0604020202020204" pitchFamily="34" charset="0"/>
-                <a:cs typeface="Arial" panose="020B0604020202020204" pitchFamily="34" charset="0"/>
-              </a:rPr>
-            </a:br>
-            <a:r>
-              <a:rPr lang="de-DE" sz="1000" dirty="0">
-                <a:latin typeface="Arial" panose="020B0604020202020204" pitchFamily="34" charset="0"/>
-                <a:cs typeface="Arial" panose="020B0604020202020204" pitchFamily="34" charset="0"/>
-              </a:rPr>
-              <a:t>Bild löschen und durch neues Bild ersetzen &gt; über Bildformat &gt; Zuschneiden im Rahmen ggf. nachpositionieren</a:t>
-            </a:r>
-          </a:p>
-        </p:txBody>
-      </p:sp>
-      <p:sp>
-        <p:nvSpPr>
           <p:cNvPr id="5" name="Textfeld 4">
             <a:extLst>
               <a:ext uri="{FF2B5EF4-FFF2-40B4-BE49-F238E27FC236}">
@@ -3393,130 +3467,6 @@
           </a:prstGeom>
         </p:spPr>
       </p:pic>
-      <p:sp>
-        <p:nvSpPr>
-          <p:cNvPr id="4" name="Textfeld 3">
-            <a:extLst>
-              <a:ext uri="{FF2B5EF4-FFF2-40B4-BE49-F238E27FC236}">
-                <a16:creationId xmlns:a16="http://schemas.microsoft.com/office/drawing/2014/main" id="{0D20A730-187A-274D-A0E6-8412686F8775}"/>
-              </a:ext>
-            </a:extLst>
-          </p:cNvPr>
-          <p:cNvSpPr txBox="1"/>
-          <p:nvPr userDrawn="1"/>
-        </p:nvSpPr>
-        <p:spPr>
-          <a:xfrm>
-            <a:off x="12292755" y="5534561"/>
-            <a:ext cx="3102416" cy="1323439"/>
-          </a:xfrm>
-          <a:prstGeom prst="rect">
-            <a:avLst/>
-          </a:prstGeom>
-          <a:noFill/>
-        </p:spPr>
-        <p:txBody>
-          <a:bodyPr wrap="square" rtlCol="0">
-            <a:spAutoFit/>
-          </a:bodyPr>
-          <a:lstStyle/>
-          <a:p>
-            <a:r>
-              <a:rPr lang="de-DE" sz="1000" b="1" dirty="0">
-                <a:latin typeface="Arial" panose="020B0604020202020204" pitchFamily="34" charset="0"/>
-                <a:cs typeface="Arial" panose="020B0604020202020204" pitchFamily="34" charset="0"/>
-              </a:rPr>
-              <a:t>Titelseiten – Platzhalter für </a:t>
-            </a:r>
-            <a:r>
-              <a:rPr lang="de-DE" sz="1000" b="1" dirty="0" err="1">
-                <a:latin typeface="Arial" panose="020B0604020202020204" pitchFamily="34" charset="0"/>
-                <a:cs typeface="Arial" panose="020B0604020202020204" pitchFamily="34" charset="0"/>
-              </a:rPr>
-              <a:t>Sublogo</a:t>
-            </a:r>
-            <a:r>
-              <a:rPr lang="de-DE" sz="1000" b="1" dirty="0">
-                <a:latin typeface="Arial" panose="020B0604020202020204" pitchFamily="34" charset="0"/>
-                <a:cs typeface="Arial" panose="020B0604020202020204" pitchFamily="34" charset="0"/>
-              </a:rPr>
-              <a:t> ändern: </a:t>
-            </a:r>
-            <a:r>
-              <a:rPr lang="de-DE" sz="1000" dirty="0">
-                <a:latin typeface="Arial" panose="020B0604020202020204" pitchFamily="34" charset="0"/>
-                <a:cs typeface="Arial" panose="020B0604020202020204" pitchFamily="34" charset="0"/>
-              </a:rPr>
-              <a:t>Direkt auf dieser Folie &gt; Bild anklicken &gt; Rechtsklick &gt; Bild einfügen</a:t>
-            </a:r>
-            <a:br>
-              <a:rPr lang="de-DE" sz="1000" dirty="0">
-                <a:latin typeface="Arial" panose="020B0604020202020204" pitchFamily="34" charset="0"/>
-                <a:cs typeface="Arial" panose="020B0604020202020204" pitchFamily="34" charset="0"/>
-              </a:rPr>
-            </a:br>
-            <a:br>
-              <a:rPr lang="de-DE" sz="1000" dirty="0">
-                <a:latin typeface="Arial" panose="020B0604020202020204" pitchFamily="34" charset="0"/>
-                <a:cs typeface="Arial" panose="020B0604020202020204" pitchFamily="34" charset="0"/>
-              </a:rPr>
-            </a:br>
-            <a:r>
-              <a:rPr lang="de-DE" sz="1000" b="1" dirty="0">
-                <a:latin typeface="Arial" panose="020B0604020202020204" pitchFamily="34" charset="0"/>
-                <a:cs typeface="Arial" panose="020B0604020202020204" pitchFamily="34" charset="0"/>
-              </a:rPr>
-              <a:t>Bild an Rahmen anpassen</a:t>
-            </a:r>
-            <a:r>
-              <a:rPr lang="de-DE" sz="1000" dirty="0">
-                <a:latin typeface="Arial" panose="020B0604020202020204" pitchFamily="34" charset="0"/>
-                <a:cs typeface="Arial" panose="020B0604020202020204" pitchFamily="34" charset="0"/>
-              </a:rPr>
-              <a:t>: </a:t>
-            </a:r>
-            <a:br>
-              <a:rPr lang="de-DE" sz="1000" dirty="0">
-                <a:latin typeface="Arial" panose="020B0604020202020204" pitchFamily="34" charset="0"/>
-                <a:cs typeface="Arial" panose="020B0604020202020204" pitchFamily="34" charset="0"/>
-              </a:rPr>
-            </a:br>
-            <a:r>
-              <a:rPr lang="de-DE" sz="1000" dirty="0">
-                <a:latin typeface="Arial" panose="020B0604020202020204" pitchFamily="34" charset="0"/>
-                <a:cs typeface="Arial" panose="020B0604020202020204" pitchFamily="34" charset="0"/>
-              </a:rPr>
-              <a:t>Bild anklicken &gt; Bildformat &gt; Zuschneiden &gt; </a:t>
-            </a:r>
-            <a:br>
-              <a:rPr lang="de-DE" sz="1000" dirty="0">
-                <a:latin typeface="Arial" panose="020B0604020202020204" pitchFamily="34" charset="0"/>
-                <a:cs typeface="Arial" panose="020B0604020202020204" pitchFamily="34" charset="0"/>
-              </a:rPr>
-            </a:br>
-            <a:r>
-              <a:rPr lang="de-DE" sz="1000" dirty="0">
-                <a:latin typeface="Arial" panose="020B0604020202020204" pitchFamily="34" charset="0"/>
-                <a:cs typeface="Arial" panose="020B0604020202020204" pitchFamily="34" charset="0"/>
-              </a:rPr>
-              <a:t>im Dropdown „Einpassen“ wählen &gt; </a:t>
-            </a:r>
-            <a:br>
-              <a:rPr lang="de-DE" sz="1000" dirty="0">
-                <a:latin typeface="Arial" panose="020B0604020202020204" pitchFamily="34" charset="0"/>
-                <a:cs typeface="Arial" panose="020B0604020202020204" pitchFamily="34" charset="0"/>
-              </a:rPr>
-            </a:br>
-            <a:r>
-              <a:rPr lang="de-DE" sz="1000" dirty="0">
-                <a:latin typeface="Arial" panose="020B0604020202020204" pitchFamily="34" charset="0"/>
-                <a:cs typeface="Arial" panose="020B0604020202020204" pitchFamily="34" charset="0"/>
-              </a:rPr>
-              <a:t>ggf. Bild nochmals neu positionieren </a:t>
-            </a:r>
-          </a:p>
-        </p:txBody>
-      </p:sp>
     </p:spTree>
     <p:extLst>
       <p:ext uri="{BB962C8B-B14F-4D97-AF65-F5344CB8AC3E}">
@@ -4107,181 +4057,6 @@
       </p:pic>
       <p:sp>
         <p:nvSpPr>
-          <p:cNvPr id="12" name="Textfeld 11">
-            <a:extLst>
-              <a:ext uri="{FF2B5EF4-FFF2-40B4-BE49-F238E27FC236}">
-                <a16:creationId xmlns:a16="http://schemas.microsoft.com/office/drawing/2014/main" id="{427D4F0D-9351-B349-8187-43002862F183}"/>
-              </a:ext>
-            </a:extLst>
-          </p:cNvPr>
-          <p:cNvSpPr txBox="1"/>
-          <p:nvPr userDrawn="1"/>
-        </p:nvSpPr>
-        <p:spPr>
-          <a:xfrm>
-            <a:off x="12292755" y="5612990"/>
-            <a:ext cx="3102416" cy="1323439"/>
-          </a:xfrm>
-          <a:prstGeom prst="rect">
-            <a:avLst/>
-          </a:prstGeom>
-          <a:noFill/>
-        </p:spPr>
-        <p:txBody>
-          <a:bodyPr wrap="square" rtlCol="0">
-            <a:spAutoFit/>
-          </a:bodyPr>
-          <a:lstStyle/>
-          <a:p>
-            <a:r>
-              <a:rPr lang="de-DE" sz="1000" b="1" dirty="0">
-                <a:latin typeface="Arial" panose="020B0604020202020204" pitchFamily="34" charset="0"/>
-                <a:cs typeface="Arial" panose="020B0604020202020204" pitchFamily="34" charset="0"/>
-              </a:rPr>
-              <a:t>Folgeseiten – Platzhalter für </a:t>
-            </a:r>
-            <a:r>
-              <a:rPr lang="de-DE" sz="1000" b="1" dirty="0" err="1">
-                <a:latin typeface="Arial" panose="020B0604020202020204" pitchFamily="34" charset="0"/>
-                <a:cs typeface="Arial" panose="020B0604020202020204" pitchFamily="34" charset="0"/>
-              </a:rPr>
-              <a:t>Sublogo</a:t>
-            </a:r>
-            <a:r>
-              <a:rPr lang="de-DE" sz="1000" b="1" dirty="0">
-                <a:latin typeface="Arial" panose="020B0604020202020204" pitchFamily="34" charset="0"/>
-                <a:cs typeface="Arial" panose="020B0604020202020204" pitchFamily="34" charset="0"/>
-              </a:rPr>
-              <a:t> ändern: </a:t>
-            </a:r>
-            <a:r>
-              <a:rPr lang="de-DE" sz="1000" dirty="0">
-                <a:latin typeface="Arial" panose="020B0604020202020204" pitchFamily="34" charset="0"/>
-                <a:cs typeface="Arial" panose="020B0604020202020204" pitchFamily="34" charset="0"/>
-              </a:rPr>
-              <a:t>Folienmaster &gt; Nr. 2 bearbeiten &gt; Bild anklicken &gt; Rechtsklick &gt; Bild einfügen</a:t>
-            </a:r>
-            <a:br>
-              <a:rPr lang="de-DE" sz="1000" dirty="0">
-                <a:latin typeface="Arial" panose="020B0604020202020204" pitchFamily="34" charset="0"/>
-                <a:cs typeface="Arial" panose="020B0604020202020204" pitchFamily="34" charset="0"/>
-              </a:rPr>
-            </a:br>
-            <a:br>
-              <a:rPr lang="de-DE" sz="1000" dirty="0">
-                <a:latin typeface="Arial" panose="020B0604020202020204" pitchFamily="34" charset="0"/>
-                <a:cs typeface="Arial" panose="020B0604020202020204" pitchFamily="34" charset="0"/>
-              </a:rPr>
-            </a:br>
-            <a:r>
-              <a:rPr lang="de-DE" sz="1000" b="1" dirty="0">
-                <a:latin typeface="Arial" panose="020B0604020202020204" pitchFamily="34" charset="0"/>
-                <a:cs typeface="Arial" panose="020B0604020202020204" pitchFamily="34" charset="0"/>
-              </a:rPr>
-              <a:t>Bild an Rahmen anpassen</a:t>
-            </a:r>
-            <a:r>
-              <a:rPr lang="de-DE" sz="1000" dirty="0">
-                <a:latin typeface="Arial" panose="020B0604020202020204" pitchFamily="34" charset="0"/>
-                <a:cs typeface="Arial" panose="020B0604020202020204" pitchFamily="34" charset="0"/>
-              </a:rPr>
-              <a:t>: </a:t>
-            </a:r>
-            <a:br>
-              <a:rPr lang="de-DE" sz="1000" dirty="0">
-                <a:latin typeface="Arial" panose="020B0604020202020204" pitchFamily="34" charset="0"/>
-                <a:cs typeface="Arial" panose="020B0604020202020204" pitchFamily="34" charset="0"/>
-              </a:rPr>
-            </a:br>
-            <a:r>
-              <a:rPr lang="de-DE" sz="1000" dirty="0">
-                <a:latin typeface="Arial" panose="020B0604020202020204" pitchFamily="34" charset="0"/>
-                <a:cs typeface="Arial" panose="020B0604020202020204" pitchFamily="34" charset="0"/>
-              </a:rPr>
-              <a:t>Bild anklicken &gt; Bildformat &gt; Zuschneiden &gt; </a:t>
-            </a:r>
-            <a:br>
-              <a:rPr lang="de-DE" sz="1000" dirty="0">
-                <a:latin typeface="Arial" panose="020B0604020202020204" pitchFamily="34" charset="0"/>
-                <a:cs typeface="Arial" panose="020B0604020202020204" pitchFamily="34" charset="0"/>
-              </a:rPr>
-            </a:br>
-            <a:r>
-              <a:rPr lang="de-DE" sz="1000" dirty="0">
-                <a:latin typeface="Arial" panose="020B0604020202020204" pitchFamily="34" charset="0"/>
-                <a:cs typeface="Arial" panose="020B0604020202020204" pitchFamily="34" charset="0"/>
-              </a:rPr>
-              <a:t>im Dropdown „Einpassen“ wählen &gt; </a:t>
-            </a:r>
-            <a:br>
-              <a:rPr lang="de-DE" sz="1000" dirty="0">
-                <a:latin typeface="Arial" panose="020B0604020202020204" pitchFamily="34" charset="0"/>
-                <a:cs typeface="Arial" panose="020B0604020202020204" pitchFamily="34" charset="0"/>
-              </a:rPr>
-            </a:br>
-            <a:r>
-              <a:rPr lang="de-DE" sz="1000" dirty="0">
-                <a:latin typeface="Arial" panose="020B0604020202020204" pitchFamily="34" charset="0"/>
-                <a:cs typeface="Arial" panose="020B0604020202020204" pitchFamily="34" charset="0"/>
-              </a:rPr>
-              <a:t>ggf. Bild nochmals neu positionieren </a:t>
-            </a:r>
-          </a:p>
-        </p:txBody>
-      </p:sp>
-      <p:sp>
-        <p:nvSpPr>
-          <p:cNvPr id="13" name="Textfeld 12">
-            <a:extLst>
-              <a:ext uri="{FF2B5EF4-FFF2-40B4-BE49-F238E27FC236}">
-                <a16:creationId xmlns:a16="http://schemas.microsoft.com/office/drawing/2014/main" id="{B91FA75A-4E02-534F-A661-8216932850DD}"/>
-              </a:ext>
-            </a:extLst>
-          </p:cNvPr>
-          <p:cNvSpPr txBox="1"/>
-          <p:nvPr userDrawn="1"/>
-        </p:nvSpPr>
-        <p:spPr>
-          <a:xfrm>
-            <a:off x="-2243920" y="6474756"/>
-            <a:ext cx="2223344" cy="400110"/>
-          </a:xfrm>
-          <a:prstGeom prst="rect">
-            <a:avLst/>
-          </a:prstGeom>
-          <a:noFill/>
-        </p:spPr>
-        <p:txBody>
-          <a:bodyPr wrap="square" rtlCol="0">
-            <a:spAutoFit/>
-          </a:bodyPr>
-          <a:lstStyle/>
-          <a:p>
-            <a:r>
-              <a:rPr lang="de-DE" sz="1000" b="1" dirty="0">
-                <a:latin typeface="Arial" panose="020B0604020202020204" pitchFamily="34" charset="0"/>
-                <a:cs typeface="Arial" panose="020B0604020202020204" pitchFamily="34" charset="0"/>
-              </a:rPr>
-              <a:t>Informationen in Fußzeile ändern:</a:t>
-            </a:r>
-            <a:br>
-              <a:rPr lang="de-DE" sz="1000" dirty="0">
-                <a:latin typeface="Arial" panose="020B0604020202020204" pitchFamily="34" charset="0"/>
-                <a:cs typeface="Arial" panose="020B0604020202020204" pitchFamily="34" charset="0"/>
-              </a:rPr>
-            </a:br>
-            <a:r>
-              <a:rPr lang="de-DE" sz="1000" dirty="0">
-                <a:latin typeface="Arial" panose="020B0604020202020204" pitchFamily="34" charset="0"/>
-                <a:cs typeface="Arial" panose="020B0604020202020204" pitchFamily="34" charset="0"/>
-              </a:rPr>
-              <a:t>Folienmaster &gt; Nr. 2 bearbeiten</a:t>
-            </a:r>
-          </a:p>
-        </p:txBody>
-      </p:sp>
-      <p:sp>
-        <p:nvSpPr>
           <p:cNvPr id="19" name="Textfeld 18">
             <a:extLst>
               <a:ext uri="{FF2B5EF4-FFF2-40B4-BE49-F238E27FC236}">
@@ -4360,7 +4135,7 @@
                 <a:tabLst/>
                 <a:defRPr/>
               </a:pPr>
-              <a:t>‹#›</a:t>
+              <a:t>‹Nr.›</a:t>
             </a:fld>
             <a:endParaRPr lang="de-DE" sz="1200" dirty="0">
               <a:solidFill>
@@ -11401,8 +11176,8 @@
         </p:nvSpPr>
         <p:spPr>
           <a:xfrm>
-            <a:off x="523567" y="2208030"/>
-            <a:ext cx="4226233" cy="523220"/>
+            <a:off x="555868" y="2143714"/>
+            <a:ext cx="4193932" cy="523220"/>
           </a:xfrm>
           <a:prstGeom prst="rect">
             <a:avLst/>
@@ -11493,7 +11268,7 @@
         <p:spPr>
           <a:xfrm>
             <a:off x="7041273" y="3023347"/>
-            <a:ext cx="4226232" cy="2462213"/>
+            <a:ext cx="4155949" cy="2462213"/>
           </a:xfrm>
           <a:prstGeom prst="rect">
             <a:avLst/>
@@ -11859,8 +11634,8 @@
         </p:nvSpPr>
         <p:spPr>
           <a:xfrm>
-            <a:off x="555867" y="4635008"/>
-            <a:ext cx="4226233" cy="954107"/>
+            <a:off x="555870" y="4565360"/>
+            <a:ext cx="4193930" cy="954107"/>
           </a:xfrm>
           <a:prstGeom prst="rect">
             <a:avLst/>
@@ -11878,8 +11653,20 @@
               <a:buChar char="•"/>
             </a:pPr>
             <a:r>
+              <a:rPr lang="de-DE" sz="1400" dirty="0" err="1"/>
+              <a:t>Tokenization</a:t>
+            </a:r>
+            <a:r>
               <a:rPr lang="de-DE" sz="1400" dirty="0"/>
-              <a:t>Input </a:t>
+              <a:t> and </a:t>
+            </a:r>
+            <a:r>
+              <a:rPr lang="de-DE" sz="1400" dirty="0" err="1"/>
+              <a:t>evaluation</a:t>
+            </a:r>
+            <a:r>
+              <a:rPr lang="de-DE" sz="1400" dirty="0"/>
+              <a:t> of </a:t>
             </a:r>
             <a:r>
               <a:rPr lang="de-DE" sz="1400" dirty="0" err="1"/>
@@ -11891,66 +11678,7 @@
             </a:r>
             <a:r>
               <a:rPr lang="de-DE" sz="1400" dirty="0" err="1"/>
-              <a:t>is</a:t>
-            </a:r>
-            <a:r>
-              <a:rPr lang="de-DE" sz="1400" dirty="0"/>
-              <a:t> </a:t>
-            </a:r>
-            <a:r>
-              <a:rPr lang="de-DE" sz="1400" dirty="0" err="1"/>
-              <a:t>split</a:t>
-            </a:r>
-            <a:r>
-              <a:rPr lang="de-DE" sz="1400" dirty="0"/>
-              <a:t> </a:t>
-            </a:r>
-            <a:r>
-              <a:rPr lang="de-DE" sz="1400" dirty="0" err="1"/>
-              <a:t>into</a:t>
-            </a:r>
-            <a:r>
-              <a:rPr lang="de-DE" sz="1400" dirty="0"/>
-              <a:t> </a:t>
-            </a:r>
-            <a:r>
-              <a:rPr lang="de-DE" sz="1400" dirty="0" err="1"/>
               <a:t>articles</a:t>
-            </a:r>
-            <a:endParaRPr lang="de-DE" sz="1400" dirty="0"/>
-          </a:p>
-          <a:p>
-            <a:pPr marL="285750" indent="-285750">
-              <a:buFont typeface="Arial" panose="020B0604020202020204" pitchFamily="34" charset="0"/>
-              <a:buChar char="•"/>
-            </a:pPr>
-            <a:r>
-              <a:rPr lang="de-DE" sz="1400" dirty="0" err="1"/>
-              <a:t>Articles</a:t>
-            </a:r>
-            <a:r>
-              <a:rPr lang="de-DE" sz="1400" dirty="0"/>
-              <a:t> </a:t>
-            </a:r>
-            <a:r>
-              <a:rPr lang="de-DE" sz="1400" dirty="0" err="1"/>
-              <a:t>get</a:t>
-            </a:r>
-            <a:r>
-              <a:rPr lang="de-DE" sz="1400" dirty="0"/>
-              <a:t> </a:t>
-            </a:r>
-            <a:r>
-              <a:rPr lang="de-DE" sz="1400" dirty="0" err="1"/>
-              <a:t>tokenized</a:t>
-            </a:r>
-            <a:r>
-              <a:rPr lang="de-DE" sz="1400" dirty="0"/>
-              <a:t> and </a:t>
-            </a:r>
-            <a:r>
-              <a:rPr lang="de-DE" sz="1400" dirty="0" err="1"/>
-              <a:t>evaluated</a:t>
             </a:r>
             <a:r>
               <a:rPr lang="de-DE" sz="1400" dirty="0"/>
@@ -11958,15 +11686,7 @@
             </a:r>
             <a:r>
               <a:rPr lang="de-DE" sz="1400" dirty="0" err="1"/>
-              <a:t>llama</a:t>
-            </a:r>
-            <a:r>
-              <a:rPr lang="de-DE" sz="1400" dirty="0"/>
-              <a:t> </a:t>
-            </a:r>
-            <a:r>
-              <a:rPr lang="de-DE" sz="1400" dirty="0" err="1"/>
-              <a:t>llm</a:t>
+              <a:t>Llama</a:t>
             </a:r>
             <a:endParaRPr lang="de-DE" sz="1400" dirty="0"/>
           </a:p>
@@ -12995,7 +12715,7 @@
                   <a:latin typeface="Arial" panose="020B0604020202020204" pitchFamily="34" charset="0"/>
                   <a:cs typeface="Arial" panose="020B0604020202020204" pitchFamily="34" charset="0"/>
                 </a:rPr>
-                <a:t>News feed containing 30 articles (~500 words each)</a:t>
+                <a:t>News feed containing 30 articles</a:t>
               </a:r>
             </a:p>
           </p:txBody>
